--- a/Абуталыблы.pptx
+++ b/Абуталыблы.pptx
@@ -114,7 +114,7 @@
   </p:defaultTextStyle>
   <p:extLst>
     <p:ext uri="{EFAFB233-063F-42B5-8137-9DF3F51BA10A}">
-      <p15:sldGuideLst xmlns:p15="http://schemas.microsoft.com/office/powerpoint/2012/main" xmlns=""/>
+      <p15:sldGuideLst xmlns:p15="http://schemas.microsoft.com/office/powerpoint/2012/main"/>
     </p:ext>
   </p:extLst>
 </p:presentation>
@@ -842,8 +842,7 @@
           <a:p>
             <a:fld id="{4C4422FA-4791-42BC-8A76-D6850173CC04}" type="datetimeFigureOut">
               <a:rPr lang="ru-RU" smtClean="0"/>
-              <a:pPr/>
-              <a:t>20.01.2024</a:t>
+              <a:t>18.01.2024</a:t>
             </a:fld>
             <a:endParaRPr lang="ru-RU"/>
           </a:p>
@@ -885,7 +884,6 @@
           <a:p>
             <a:fld id="{9CEDDD08-AD0B-4FE4-B73E-0333E3C19590}" type="slidenum">
               <a:rPr lang="ru-RU" smtClean="0"/>
-              <a:pPr/>
               <a:t>‹#›</a:t>
             </a:fld>
             <a:endParaRPr lang="ru-RU"/>
@@ -895,7 +893,7 @@
     </p:spTree>
     <p:extLst>
       <p:ext uri="{BB962C8B-B14F-4D97-AF65-F5344CB8AC3E}">
-        <p14:creationId xmlns:p14="http://schemas.microsoft.com/office/powerpoint/2010/main" xmlns="" val="3127099145"/>
+        <p14:creationId xmlns:p14="http://schemas.microsoft.com/office/powerpoint/2010/main" val="3127099145"/>
       </p:ext>
     </p:extLst>
   </p:cSld>
@@ -1095,8 +1093,7 @@
           <a:p>
             <a:fld id="{4C4422FA-4791-42BC-8A76-D6850173CC04}" type="datetimeFigureOut">
               <a:rPr lang="ru-RU" smtClean="0"/>
-              <a:pPr/>
-              <a:t>20.01.2024</a:t>
+              <a:t>18.01.2024</a:t>
             </a:fld>
             <a:endParaRPr lang="ru-RU"/>
           </a:p>
@@ -1138,7 +1135,6 @@
           <a:p>
             <a:fld id="{9CEDDD08-AD0B-4FE4-B73E-0333E3C19590}" type="slidenum">
               <a:rPr lang="ru-RU" smtClean="0"/>
-              <a:pPr/>
               <a:t>‹#›</a:t>
             </a:fld>
             <a:endParaRPr lang="ru-RU"/>
@@ -1148,7 +1144,7 @@
     </p:spTree>
     <p:extLst>
       <p:ext uri="{BB962C8B-B14F-4D97-AF65-F5344CB8AC3E}">
-        <p14:creationId xmlns:p14="http://schemas.microsoft.com/office/powerpoint/2010/main" xmlns="" val="51378269"/>
+        <p14:creationId xmlns:p14="http://schemas.microsoft.com/office/powerpoint/2010/main" val="51378269"/>
       </p:ext>
     </p:extLst>
   </p:cSld>
@@ -1411,8 +1407,7 @@
           <a:p>
             <a:fld id="{4C4422FA-4791-42BC-8A76-D6850173CC04}" type="datetimeFigureOut">
               <a:rPr lang="ru-RU" smtClean="0"/>
-              <a:pPr/>
-              <a:t>20.01.2024</a:t>
+              <a:t>18.01.2024</a:t>
             </a:fld>
             <a:endParaRPr lang="ru-RU"/>
           </a:p>
@@ -1454,7 +1449,6 @@
           <a:p>
             <a:fld id="{9CEDDD08-AD0B-4FE4-B73E-0333E3C19590}" type="slidenum">
               <a:rPr lang="ru-RU" smtClean="0"/>
-              <a:pPr/>
               <a:t>‹#›</a:t>
             </a:fld>
             <a:endParaRPr lang="ru-RU"/>
@@ -1554,7 +1548,7 @@
     </p:spTree>
     <p:extLst>
       <p:ext uri="{BB962C8B-B14F-4D97-AF65-F5344CB8AC3E}">
-        <p14:creationId xmlns:p14="http://schemas.microsoft.com/office/powerpoint/2010/main" xmlns="" val="2091700319"/>
+        <p14:creationId xmlns:p14="http://schemas.microsoft.com/office/powerpoint/2010/main" val="2091700319"/>
       </p:ext>
     </p:extLst>
   </p:cSld>
@@ -1754,8 +1748,7 @@
           <a:p>
             <a:fld id="{4C4422FA-4791-42BC-8A76-D6850173CC04}" type="datetimeFigureOut">
               <a:rPr lang="ru-RU" smtClean="0"/>
-              <a:pPr/>
-              <a:t>20.01.2024</a:t>
+              <a:t>18.01.2024</a:t>
             </a:fld>
             <a:endParaRPr lang="ru-RU"/>
           </a:p>
@@ -1797,7 +1790,6 @@
           <a:p>
             <a:fld id="{9CEDDD08-AD0B-4FE4-B73E-0333E3C19590}" type="slidenum">
               <a:rPr lang="ru-RU" smtClean="0"/>
-              <a:pPr/>
               <a:t>‹#›</a:t>
             </a:fld>
             <a:endParaRPr lang="ru-RU"/>
@@ -1807,7 +1799,7 @@
     </p:spTree>
     <p:extLst>
       <p:ext uri="{BB962C8B-B14F-4D97-AF65-F5344CB8AC3E}">
-        <p14:creationId xmlns:p14="http://schemas.microsoft.com/office/powerpoint/2010/main" xmlns="" val="2169211868"/>
+        <p14:creationId xmlns:p14="http://schemas.microsoft.com/office/powerpoint/2010/main" val="2169211868"/>
       </p:ext>
     </p:extLst>
   </p:cSld>
@@ -2070,8 +2062,7 @@
           <a:p>
             <a:fld id="{4C4422FA-4791-42BC-8A76-D6850173CC04}" type="datetimeFigureOut">
               <a:rPr lang="ru-RU" smtClean="0"/>
-              <a:pPr/>
-              <a:t>20.01.2024</a:t>
+              <a:t>18.01.2024</a:t>
             </a:fld>
             <a:endParaRPr lang="ru-RU"/>
           </a:p>
@@ -2113,7 +2104,6 @@
           <a:p>
             <a:fld id="{9CEDDD08-AD0B-4FE4-B73E-0333E3C19590}" type="slidenum">
               <a:rPr lang="ru-RU" smtClean="0"/>
-              <a:pPr/>
               <a:t>‹#›</a:t>
             </a:fld>
             <a:endParaRPr lang="ru-RU"/>
@@ -2205,7 +2195,7 @@
     </p:spTree>
     <p:extLst>
       <p:ext uri="{BB962C8B-B14F-4D97-AF65-F5344CB8AC3E}">
-        <p14:creationId xmlns:p14="http://schemas.microsoft.com/office/powerpoint/2010/main" xmlns="" val="3029720061"/>
+        <p14:creationId xmlns:p14="http://schemas.microsoft.com/office/powerpoint/2010/main" val="3029720061"/>
       </p:ext>
     </p:extLst>
   </p:cSld>
@@ -2465,8 +2455,7 @@
           <a:p>
             <a:fld id="{4C4422FA-4791-42BC-8A76-D6850173CC04}" type="datetimeFigureOut">
               <a:rPr lang="ru-RU" smtClean="0"/>
-              <a:pPr/>
-              <a:t>20.01.2024</a:t>
+              <a:t>18.01.2024</a:t>
             </a:fld>
             <a:endParaRPr lang="ru-RU"/>
           </a:p>
@@ -2508,7 +2497,6 @@
           <a:p>
             <a:fld id="{9CEDDD08-AD0B-4FE4-B73E-0333E3C19590}" type="slidenum">
               <a:rPr lang="ru-RU" smtClean="0"/>
-              <a:pPr/>
               <a:t>‹#›</a:t>
             </a:fld>
             <a:endParaRPr lang="ru-RU"/>
@@ -2518,7 +2506,7 @@
     </p:spTree>
     <p:extLst>
       <p:ext uri="{BB962C8B-B14F-4D97-AF65-F5344CB8AC3E}">
-        <p14:creationId xmlns:p14="http://schemas.microsoft.com/office/powerpoint/2010/main" xmlns="" val="206843305"/>
+        <p14:creationId xmlns:p14="http://schemas.microsoft.com/office/powerpoint/2010/main" val="206843305"/>
       </p:ext>
     </p:extLst>
   </p:cSld>
@@ -2637,8 +2625,7 @@
           <a:p>
             <a:fld id="{4C4422FA-4791-42BC-8A76-D6850173CC04}" type="datetimeFigureOut">
               <a:rPr lang="ru-RU" smtClean="0"/>
-              <a:pPr/>
-              <a:t>20.01.2024</a:t>
+              <a:t>18.01.2024</a:t>
             </a:fld>
             <a:endParaRPr lang="ru-RU"/>
           </a:p>
@@ -2680,7 +2667,6 @@
           <a:p>
             <a:fld id="{9CEDDD08-AD0B-4FE4-B73E-0333E3C19590}" type="slidenum">
               <a:rPr lang="ru-RU" smtClean="0"/>
-              <a:pPr/>
               <a:t>‹#›</a:t>
             </a:fld>
             <a:endParaRPr lang="ru-RU"/>
@@ -2690,7 +2676,7 @@
     </p:spTree>
     <p:extLst>
       <p:ext uri="{BB962C8B-B14F-4D97-AF65-F5344CB8AC3E}">
-        <p14:creationId xmlns:p14="http://schemas.microsoft.com/office/powerpoint/2010/main" xmlns="" val="1755992298"/>
+        <p14:creationId xmlns:p14="http://schemas.microsoft.com/office/powerpoint/2010/main" val="1755992298"/>
       </p:ext>
     </p:extLst>
   </p:cSld>
@@ -2819,8 +2805,7 @@
           <a:p>
             <a:fld id="{4C4422FA-4791-42BC-8A76-D6850173CC04}" type="datetimeFigureOut">
               <a:rPr lang="ru-RU" smtClean="0"/>
-              <a:pPr/>
-              <a:t>20.01.2024</a:t>
+              <a:t>18.01.2024</a:t>
             </a:fld>
             <a:endParaRPr lang="ru-RU"/>
           </a:p>
@@ -2862,7 +2847,6 @@
           <a:p>
             <a:fld id="{9CEDDD08-AD0B-4FE4-B73E-0333E3C19590}" type="slidenum">
               <a:rPr lang="ru-RU" smtClean="0"/>
-              <a:pPr/>
               <a:t>‹#›</a:t>
             </a:fld>
             <a:endParaRPr lang="ru-RU"/>
@@ -2872,7 +2856,7 @@
     </p:spTree>
     <p:extLst>
       <p:ext uri="{BB962C8B-B14F-4D97-AF65-F5344CB8AC3E}">
-        <p14:creationId xmlns:p14="http://schemas.microsoft.com/office/powerpoint/2010/main" xmlns="" val="1115777391"/>
+        <p14:creationId xmlns:p14="http://schemas.microsoft.com/office/powerpoint/2010/main" val="1115777391"/>
       </p:ext>
     </p:extLst>
   </p:cSld>
@@ -2997,8 +2981,7 @@
           <a:p>
             <a:fld id="{4C4422FA-4791-42BC-8A76-D6850173CC04}" type="datetimeFigureOut">
               <a:rPr lang="ru-RU" smtClean="0"/>
-              <a:pPr/>
-              <a:t>20.01.2024</a:t>
+              <a:t>18.01.2024</a:t>
             </a:fld>
             <a:endParaRPr lang="ru-RU"/>
           </a:p>
@@ -3040,7 +3023,6 @@
           <a:p>
             <a:fld id="{9CEDDD08-AD0B-4FE4-B73E-0333E3C19590}" type="slidenum">
               <a:rPr lang="ru-RU" smtClean="0"/>
-              <a:pPr/>
               <a:t>‹#›</a:t>
             </a:fld>
             <a:endParaRPr lang="ru-RU"/>
@@ -3050,7 +3032,7 @@
     </p:spTree>
     <p:extLst>
       <p:ext uri="{BB962C8B-B14F-4D97-AF65-F5344CB8AC3E}">
-        <p14:creationId xmlns:p14="http://schemas.microsoft.com/office/powerpoint/2010/main" xmlns="" val="2688094121"/>
+        <p14:creationId xmlns:p14="http://schemas.microsoft.com/office/powerpoint/2010/main" val="2688094121"/>
       </p:ext>
     </p:extLst>
   </p:cSld>
@@ -3246,8 +3228,7 @@
           <a:p>
             <a:fld id="{4C4422FA-4791-42BC-8A76-D6850173CC04}" type="datetimeFigureOut">
               <a:rPr lang="ru-RU" smtClean="0"/>
-              <a:pPr/>
-              <a:t>20.01.2024</a:t>
+              <a:t>18.01.2024</a:t>
             </a:fld>
             <a:endParaRPr lang="ru-RU"/>
           </a:p>
@@ -3289,7 +3270,6 @@
           <a:p>
             <a:fld id="{9CEDDD08-AD0B-4FE4-B73E-0333E3C19590}" type="slidenum">
               <a:rPr lang="ru-RU" smtClean="0"/>
-              <a:pPr/>
               <a:t>‹#›</a:t>
             </a:fld>
             <a:endParaRPr lang="ru-RU"/>
@@ -3299,7 +3279,7 @@
     </p:spTree>
     <p:extLst>
       <p:ext uri="{BB962C8B-B14F-4D97-AF65-F5344CB8AC3E}">
-        <p14:creationId xmlns:p14="http://schemas.microsoft.com/office/powerpoint/2010/main" xmlns="" val="3328961841"/>
+        <p14:creationId xmlns:p14="http://schemas.microsoft.com/office/powerpoint/2010/main" val="3328961841"/>
       </p:ext>
     </p:extLst>
   </p:cSld>
@@ -3480,8 +3460,7 @@
           <a:p>
             <a:fld id="{4C4422FA-4791-42BC-8A76-D6850173CC04}" type="datetimeFigureOut">
               <a:rPr lang="ru-RU" smtClean="0"/>
-              <a:pPr/>
-              <a:t>20.01.2024</a:t>
+              <a:t>18.01.2024</a:t>
             </a:fld>
             <a:endParaRPr lang="ru-RU"/>
           </a:p>
@@ -3523,7 +3502,6 @@
           <a:p>
             <a:fld id="{9CEDDD08-AD0B-4FE4-B73E-0333E3C19590}" type="slidenum">
               <a:rPr lang="ru-RU" smtClean="0"/>
-              <a:pPr/>
               <a:t>‹#›</a:t>
             </a:fld>
             <a:endParaRPr lang="ru-RU"/>
@@ -3533,7 +3511,7 @@
     </p:spTree>
     <p:extLst>
       <p:ext uri="{BB962C8B-B14F-4D97-AF65-F5344CB8AC3E}">
-        <p14:creationId xmlns:p14="http://schemas.microsoft.com/office/powerpoint/2010/main" xmlns="" val="2455799480"/>
+        <p14:creationId xmlns:p14="http://schemas.microsoft.com/office/powerpoint/2010/main" val="2455799480"/>
       </p:ext>
     </p:extLst>
   </p:cSld>
@@ -3856,8 +3834,7 @@
           <a:p>
             <a:fld id="{4C4422FA-4791-42BC-8A76-D6850173CC04}" type="datetimeFigureOut">
               <a:rPr lang="ru-RU" smtClean="0"/>
-              <a:pPr/>
-              <a:t>20.01.2024</a:t>
+              <a:t>18.01.2024</a:t>
             </a:fld>
             <a:endParaRPr lang="ru-RU"/>
           </a:p>
@@ -3899,7 +3876,6 @@
           <a:p>
             <a:fld id="{9CEDDD08-AD0B-4FE4-B73E-0333E3C19590}" type="slidenum">
               <a:rPr lang="ru-RU" smtClean="0"/>
-              <a:pPr/>
               <a:t>‹#›</a:t>
             </a:fld>
             <a:endParaRPr lang="ru-RU"/>
@@ -3909,7 +3885,7 @@
     </p:spTree>
     <p:extLst>
       <p:ext uri="{BB962C8B-B14F-4D97-AF65-F5344CB8AC3E}">
-        <p14:creationId xmlns:p14="http://schemas.microsoft.com/office/powerpoint/2010/main" xmlns="" val="3014037386"/>
+        <p14:creationId xmlns:p14="http://schemas.microsoft.com/office/powerpoint/2010/main" val="3014037386"/>
       </p:ext>
     </p:extLst>
   </p:cSld>
@@ -3981,8 +3957,7 @@
           <a:p>
             <a:fld id="{4C4422FA-4791-42BC-8A76-D6850173CC04}" type="datetimeFigureOut">
               <a:rPr lang="ru-RU" smtClean="0"/>
-              <a:pPr/>
-              <a:t>20.01.2024</a:t>
+              <a:t>18.01.2024</a:t>
             </a:fld>
             <a:endParaRPr lang="ru-RU"/>
           </a:p>
@@ -4024,7 +3999,6 @@
           <a:p>
             <a:fld id="{9CEDDD08-AD0B-4FE4-B73E-0333E3C19590}" type="slidenum">
               <a:rPr lang="ru-RU" smtClean="0"/>
-              <a:pPr/>
               <a:t>‹#›</a:t>
             </a:fld>
             <a:endParaRPr lang="ru-RU"/>
@@ -4034,7 +4008,7 @@
     </p:spTree>
     <p:extLst>
       <p:ext uri="{BB962C8B-B14F-4D97-AF65-F5344CB8AC3E}">
-        <p14:creationId xmlns:p14="http://schemas.microsoft.com/office/powerpoint/2010/main" xmlns="" val="4153624366"/>
+        <p14:creationId xmlns:p14="http://schemas.microsoft.com/office/powerpoint/2010/main" val="4153624366"/>
       </p:ext>
     </p:extLst>
   </p:cSld>
@@ -4078,8 +4052,7 @@
           <a:p>
             <a:fld id="{4C4422FA-4791-42BC-8A76-D6850173CC04}" type="datetimeFigureOut">
               <a:rPr lang="ru-RU" smtClean="0"/>
-              <a:pPr/>
-              <a:t>20.01.2024</a:t>
+              <a:t>18.01.2024</a:t>
             </a:fld>
             <a:endParaRPr lang="ru-RU"/>
           </a:p>
@@ -4121,7 +4094,6 @@
           <a:p>
             <a:fld id="{9CEDDD08-AD0B-4FE4-B73E-0333E3C19590}" type="slidenum">
               <a:rPr lang="ru-RU" smtClean="0"/>
-              <a:pPr/>
               <a:t>‹#›</a:t>
             </a:fld>
             <a:endParaRPr lang="ru-RU"/>
@@ -4131,7 +4103,7 @@
     </p:spTree>
     <p:extLst>
       <p:ext uri="{BB962C8B-B14F-4D97-AF65-F5344CB8AC3E}">
-        <p14:creationId xmlns:p14="http://schemas.microsoft.com/office/powerpoint/2010/main" xmlns="" val="2817102305"/>
+        <p14:creationId xmlns:p14="http://schemas.microsoft.com/office/powerpoint/2010/main" val="2817102305"/>
       </p:ext>
     </p:extLst>
   </p:cSld>
@@ -4335,8 +4307,7 @@
           <a:p>
             <a:fld id="{4C4422FA-4791-42BC-8A76-D6850173CC04}" type="datetimeFigureOut">
               <a:rPr lang="ru-RU" smtClean="0"/>
-              <a:pPr/>
-              <a:t>20.01.2024</a:t>
+              <a:t>18.01.2024</a:t>
             </a:fld>
             <a:endParaRPr lang="ru-RU"/>
           </a:p>
@@ -4378,7 +4349,6 @@
           <a:p>
             <a:fld id="{9CEDDD08-AD0B-4FE4-B73E-0333E3C19590}" type="slidenum">
               <a:rPr lang="ru-RU" smtClean="0"/>
-              <a:pPr/>
               <a:t>‹#›</a:t>
             </a:fld>
             <a:endParaRPr lang="ru-RU"/>
@@ -4388,7 +4358,7 @@
     </p:spTree>
     <p:extLst>
       <p:ext uri="{BB962C8B-B14F-4D97-AF65-F5344CB8AC3E}">
-        <p14:creationId xmlns:p14="http://schemas.microsoft.com/office/powerpoint/2010/main" xmlns="" val="2441865607"/>
+        <p14:creationId xmlns:p14="http://schemas.microsoft.com/office/powerpoint/2010/main" val="2441865607"/>
       </p:ext>
     </p:extLst>
   </p:cSld>
@@ -4600,8 +4570,7 @@
           <a:p>
             <a:fld id="{4C4422FA-4791-42BC-8A76-D6850173CC04}" type="datetimeFigureOut">
               <a:rPr lang="ru-RU" smtClean="0"/>
-              <a:pPr/>
-              <a:t>20.01.2024</a:t>
+              <a:t>18.01.2024</a:t>
             </a:fld>
             <a:endParaRPr lang="ru-RU"/>
           </a:p>
@@ -4643,7 +4612,6 @@
           <a:p>
             <a:fld id="{9CEDDD08-AD0B-4FE4-B73E-0333E3C19590}" type="slidenum">
               <a:rPr lang="ru-RU" smtClean="0"/>
-              <a:pPr/>
               <a:t>‹#›</a:t>
             </a:fld>
             <a:endParaRPr lang="ru-RU"/>
@@ -4653,7 +4621,7 @@
     </p:spTree>
     <p:extLst>
       <p:ext uri="{BB962C8B-B14F-4D97-AF65-F5344CB8AC3E}">
-        <p14:creationId xmlns:p14="http://schemas.microsoft.com/office/powerpoint/2010/main" xmlns="" val="3347015467"/>
+        <p14:creationId xmlns:p14="http://schemas.microsoft.com/office/powerpoint/2010/main" val="3347015467"/>
       </p:ext>
     </p:extLst>
   </p:cSld>
@@ -5345,8 +5313,7 @@
           <a:p>
             <a:fld id="{4C4422FA-4791-42BC-8A76-D6850173CC04}" type="datetimeFigureOut">
               <a:rPr lang="ru-RU" smtClean="0"/>
-              <a:pPr/>
-              <a:t>20.01.2024</a:t>
+              <a:t>18.01.2024</a:t>
             </a:fld>
             <a:endParaRPr lang="ru-RU"/>
           </a:p>
@@ -5422,7 +5389,6 @@
           <a:p>
             <a:fld id="{9CEDDD08-AD0B-4FE4-B73E-0333E3C19590}" type="slidenum">
               <a:rPr lang="ru-RU" smtClean="0"/>
-              <a:pPr/>
               <a:t>‹#›</a:t>
             </a:fld>
             <a:endParaRPr lang="ru-RU"/>
@@ -5432,7 +5398,7 @@
     </p:spTree>
     <p:extLst>
       <p:ext uri="{BB962C8B-B14F-4D97-AF65-F5344CB8AC3E}">
-        <p14:creationId xmlns:p14="http://schemas.microsoft.com/office/powerpoint/2010/main" xmlns="" val="4248850024"/>
+        <p14:creationId xmlns:p14="http://schemas.microsoft.com/office/powerpoint/2010/main" val="4248850024"/>
       </p:ext>
     </p:extLst>
   </p:cSld>
@@ -6004,7 +5970,17 @@
                 <a:latin typeface="Times New Roman" panose="02020603050405020304" pitchFamily="18" charset="0"/>
                 <a:cs typeface="Times New Roman" panose="02020603050405020304" pitchFamily="18" charset="0"/>
               </a:rPr>
-              <a:t>«Разработка приложения</a:t>
+              <a:t>«Разработка </a:t>
+            </a:r>
+            <a:r>
+              <a:rPr lang="ru-RU" sz="2400" b="1" dirty="0" smtClean="0">
+                <a:solidFill>
+                  <a:schemeClr val="tx1"/>
+                </a:solidFill>
+                <a:latin typeface="Times New Roman" panose="02020603050405020304" pitchFamily="18" charset="0"/>
+                <a:cs typeface="Times New Roman" panose="02020603050405020304" pitchFamily="18" charset="0"/>
+              </a:rPr>
+              <a:t>приложения</a:t>
             </a:r>
             <a:r>
               <a:rPr lang="en-US" sz="2400" b="1" dirty="0" smtClean="0">
@@ -6990,7 +6966,7 @@
     </p:spTree>
     <p:extLst>
       <p:ext uri="{BB962C8B-B14F-4D97-AF65-F5344CB8AC3E}">
-        <p14:creationId xmlns:p14="http://schemas.microsoft.com/office/powerpoint/2010/main" xmlns="" val="1536910421"/>
+        <p14:creationId xmlns:p14="http://schemas.microsoft.com/office/powerpoint/2010/main" val="1536910421"/>
       </p:ext>
     </p:extLst>
   </p:cSld>
@@ -7104,13 +7080,20 @@
               </a:rPr>
               <a:t>Автоматизированная информационная система «MFC» предназначена для оказания услуг клиенту по регистрации пользователя по указанному адресу. Пользователями программы выступает сотрудник центра. Прописка заказчика осуществляется на основании договоров Регистрация гражданина Российской Федерации по месту жительства, в которых оговариваются условия регистрации. Акте перерегистрации указываются: первый адрес, где клиент прописан на данный момент и конечный адрес куда он будет регистрироваться.</a:t>
             </a:r>
+            <a:endParaRPr lang="ru-RU" sz="1600" dirty="0">
+              <a:solidFill>
+                <a:schemeClr val="tx1"/>
+              </a:solidFill>
+              <a:latin typeface="Times New Roman" panose="02020603050405020304" pitchFamily="18" charset="0"/>
+              <a:cs typeface="Times New Roman" panose="02020603050405020304" pitchFamily="18" charset="0"/>
+            </a:endParaRPr>
           </a:p>
         </p:txBody>
       </p:sp>
     </p:spTree>
     <p:extLst>
       <p:ext uri="{BB962C8B-B14F-4D97-AF65-F5344CB8AC3E}">
-        <p14:creationId xmlns:p14="http://schemas.microsoft.com/office/powerpoint/2010/main" xmlns="" val="187616103"/>
+        <p14:creationId xmlns:p14="http://schemas.microsoft.com/office/powerpoint/2010/main" val="187616103"/>
       </p:ext>
     </p:extLst>
   </p:cSld>
@@ -7219,6 +7202,13 @@
               </a:rPr>
               <a:t>Диаграмма прецедентов</a:t>
             </a:r>
+            <a:endParaRPr lang="ru-RU" sz="1600" dirty="0" smtClean="0">
+              <a:solidFill>
+                <a:schemeClr val="tx1"/>
+              </a:solidFill>
+              <a:latin typeface="Times New Roman" panose="02020603050405020304" pitchFamily="18" charset="0"/>
+              <a:cs typeface="Times New Roman" panose="02020603050405020304" pitchFamily="18" charset="0"/>
+            </a:endParaRPr>
           </a:p>
           <a:p>
             <a:endParaRPr lang="ru-RU" dirty="0">
@@ -7241,7 +7231,7 @@
           <a:blip r:embed="rId2" cstate="print">
             <a:extLst>
               <a:ext uri="{28A0092B-C50C-407E-A947-70E740481C1C}">
-                <a14:useLocalDpi xmlns:a14="http://schemas.microsoft.com/office/drawing/2010/main" xmlns="" val="0"/>
+                <a14:useLocalDpi xmlns:a14="http://schemas.microsoft.com/office/drawing/2010/main" val="0"/>
               </a:ext>
             </a:extLst>
           </a:blip>
@@ -7267,7 +7257,7 @@
     </p:spTree>
     <p:extLst>
       <p:ext uri="{BB962C8B-B14F-4D97-AF65-F5344CB8AC3E}">
-        <p14:creationId xmlns:p14="http://schemas.microsoft.com/office/powerpoint/2010/main" xmlns="" val="1642757636"/>
+        <p14:creationId xmlns:p14="http://schemas.microsoft.com/office/powerpoint/2010/main" val="1642757636"/>
       </p:ext>
     </p:extLst>
   </p:cSld>
@@ -7363,6 +7353,13 @@
               </a:rPr>
               <a:t>Диаграмма действий</a:t>
             </a:r>
+            <a:endParaRPr lang="ru-RU" sz="1600" dirty="0" smtClean="0">
+              <a:solidFill>
+                <a:schemeClr val="tx1"/>
+              </a:solidFill>
+              <a:latin typeface="Times New Roman" panose="02020603050405020304" pitchFamily="18" charset="0"/>
+              <a:cs typeface="Times New Roman" panose="02020603050405020304" pitchFamily="18" charset="0"/>
+            </a:endParaRPr>
           </a:p>
           <a:p>
             <a:endParaRPr lang="ru-RU" dirty="0">
@@ -7408,7 +7405,7 @@
     </p:spTree>
     <p:extLst>
       <p:ext uri="{BB962C8B-B14F-4D97-AF65-F5344CB8AC3E}">
-        <p14:creationId xmlns:p14="http://schemas.microsoft.com/office/powerpoint/2010/main" xmlns="" val="2285913445"/>
+        <p14:creationId xmlns:p14="http://schemas.microsoft.com/office/powerpoint/2010/main" val="2285913445"/>
       </p:ext>
     </p:extLst>
   </p:cSld>
@@ -7535,41 +7532,30 @@
       </p:sp>
       <p:pic>
         <p:nvPicPr>
-          <p:cNvPr id="3073" name="Picture 1"/>
-          <p:cNvPicPr>
-            <a:picLocks noChangeAspect="1" noChangeArrowheads="1"/>
-          </p:cNvPicPr>
+          <p:cNvPr id="4" name="Рисунок 3"/>
+          <p:cNvPicPr/>
           <p:nvPr/>
         </p:nvPicPr>
         <p:blipFill>
-          <a:blip r:embed="rId2" cstate="print"/>
-          <a:srcRect/>
+          <a:blip r:embed="rId2"/>
           <a:stretch>
             <a:fillRect/>
           </a:stretch>
         </p:blipFill>
-        <p:spPr bwMode="auto">
+        <p:spPr>
           <a:xfrm>
-            <a:off x="1012599" y="1886630"/>
-            <a:ext cx="6716712" cy="4619625"/>
+            <a:off x="975994" y="1784350"/>
+            <a:ext cx="7723506" cy="4210050"/>
           </a:xfrm>
           <a:prstGeom prst="rect">
             <a:avLst/>
           </a:prstGeom>
-          <a:noFill/>
-          <a:ln w="9525">
-            <a:noFill/>
-            <a:miter lim="800000"/>
-            <a:headEnd/>
-            <a:tailEnd/>
-          </a:ln>
-          <a:effectLst/>
         </p:spPr>
       </p:pic>
     </p:spTree>
     <p:extLst>
       <p:ext uri="{BB962C8B-B14F-4D97-AF65-F5344CB8AC3E}">
-        <p14:creationId xmlns:p14="http://schemas.microsoft.com/office/powerpoint/2010/main" xmlns="" val="1582224467"/>
+        <p14:creationId xmlns:p14="http://schemas.microsoft.com/office/powerpoint/2010/main" val="1582224467"/>
       </p:ext>
     </p:extLst>
   </p:cSld>
@@ -7678,14 +7664,21 @@
                 <a:latin typeface="Times New Roman" panose="02020603050405020304" pitchFamily="18" charset="0"/>
                 <a:cs typeface="Times New Roman" panose="02020603050405020304" pitchFamily="18" charset="0"/>
               </a:rPr>
-              <a:t>Создание приложения в среде </a:t>
-            </a:r>
-            <a:r>
-              <a:rPr lang="en-US" sz="6400" dirty="0" smtClean="0">
+              <a:t>Создание приложения в среде 1С: Предприятие.</a:t>
+            </a:r>
+          </a:p>
+          <a:p>
+            <a:pPr marL="450000" algn="just">
+              <a:spcBef>
+                <a:spcPts val="0"/>
+              </a:spcBef>
+            </a:pPr>
+            <a:r>
+              <a:rPr lang="ru-RU" sz="6400" dirty="0">
                 <a:latin typeface="Times New Roman" panose="02020603050405020304" pitchFamily="18" charset="0"/>
                 <a:cs typeface="Times New Roman" panose="02020603050405020304" pitchFamily="18" charset="0"/>
               </a:rPr>
-              <a:t>Visual Studio</a:t>
+              <a:t>Платформа «1С: Предприятие 8.3» – это основа, без которой невозможно использовать ни одно прикладное решение линейки «1С». Фактически это фундамент для установки одной или нескольких конфигураций</a:t>
             </a:r>
             <a:r>
               <a:rPr lang="ru-RU" sz="6400" dirty="0" smtClean="0">
@@ -7694,10 +7687,6 @@
               </a:rPr>
               <a:t>.</a:t>
             </a:r>
-            <a:endParaRPr lang="ru-RU" sz="6400" dirty="0">
-              <a:latin typeface="Times New Roman" panose="02020603050405020304" pitchFamily="18" charset="0"/>
-              <a:cs typeface="Times New Roman" panose="02020603050405020304" pitchFamily="18" charset="0"/>
-            </a:endParaRPr>
           </a:p>
           <a:p>
             <a:pPr marL="450000" algn="just">
@@ -7706,52 +7695,6 @@
               </a:spcBef>
             </a:pPr>
             <a:r>
-              <a:rPr lang="ru-RU" sz="6400" dirty="0" err="1" smtClean="0">
-                <a:latin typeface="Times New Roman" panose="02020603050405020304" pitchFamily="18" charset="0"/>
-                <a:cs typeface="Times New Roman" panose="02020603050405020304" pitchFamily="18" charset="0"/>
-              </a:rPr>
-              <a:t>Visual</a:t>
-            </a:r>
-            <a:r>
-              <a:rPr lang="ru-RU" sz="6400" dirty="0" smtClean="0">
-                <a:latin typeface="Times New Roman" panose="02020603050405020304" pitchFamily="18" charset="0"/>
-                <a:cs typeface="Times New Roman" panose="02020603050405020304" pitchFamily="18" charset="0"/>
-              </a:rPr>
-              <a:t> </a:t>
-            </a:r>
-            <a:r>
-              <a:rPr lang="ru-RU" sz="6400" dirty="0" err="1" smtClean="0">
-                <a:latin typeface="Times New Roman" panose="02020603050405020304" pitchFamily="18" charset="0"/>
-                <a:cs typeface="Times New Roman" panose="02020603050405020304" pitchFamily="18" charset="0"/>
-              </a:rPr>
-              <a:t>Studio</a:t>
-            </a:r>
-            <a:r>
-              <a:rPr lang="ru-RU" sz="6400" dirty="0" smtClean="0">
-                <a:latin typeface="Times New Roman" panose="02020603050405020304" pitchFamily="18" charset="0"/>
-                <a:cs typeface="Times New Roman" panose="02020603050405020304" pitchFamily="18" charset="0"/>
-              </a:rPr>
-              <a:t> - это основа, без которой невозможно разрабатывать приложения под платформу .NET. Фактически, это фундаментальное средство, позволяющее установить один или несколько проектов и конфигураций для разработки программного обеспечения</a:t>
-            </a:r>
-            <a:r>
-              <a:rPr lang="ru-RU" sz="6400" dirty="0" smtClean="0">
-                <a:latin typeface="Times New Roman" panose="02020603050405020304" pitchFamily="18" charset="0"/>
-                <a:cs typeface="Times New Roman" panose="02020603050405020304" pitchFamily="18" charset="0"/>
-              </a:rPr>
-              <a:t>.</a:t>
-            </a:r>
-            <a:endParaRPr lang="ru-RU" sz="6400" dirty="0" smtClean="0">
-              <a:latin typeface="Times New Roman" panose="02020603050405020304" pitchFamily="18" charset="0"/>
-              <a:cs typeface="Times New Roman" panose="02020603050405020304" pitchFamily="18" charset="0"/>
-            </a:endParaRPr>
-          </a:p>
-          <a:p>
-            <a:pPr marL="450000" algn="just">
-              <a:spcBef>
-                <a:spcPts val="0"/>
-              </a:spcBef>
-            </a:pPr>
-            <a:r>
               <a:rPr lang="ru-RU" sz="6400" dirty="0">
                 <a:latin typeface="Times New Roman" panose="02020603050405020304" pitchFamily="18" charset="0"/>
                 <a:cs typeface="Times New Roman" panose="02020603050405020304" pitchFamily="18" charset="0"/>
@@ -7783,38 +7726,30 @@
       </p:sp>
       <p:pic>
         <p:nvPicPr>
-          <p:cNvPr id="5" name="Рисунок 4"/>
+          <p:cNvPr id="4" name="Рисунок 3"/>
           <p:cNvPicPr/>
           <p:nvPr/>
         </p:nvPicPr>
         <p:blipFill>
-          <a:blip r:embed="rId2" cstate="print"/>
-          <a:srcRect/>
+          <a:blip r:embed="rId2"/>
           <a:stretch>
             <a:fillRect/>
           </a:stretch>
         </p:blipFill>
-        <p:spPr bwMode="auto">
+        <p:spPr>
           <a:xfrm>
-            <a:off x="1058635" y="2078696"/>
-            <a:ext cx="5578929" cy="4371089"/>
+            <a:off x="677334" y="2031999"/>
+            <a:ext cx="8279168" cy="4432301"/>
           </a:xfrm>
           <a:prstGeom prst="rect">
             <a:avLst/>
           </a:prstGeom>
-          <a:noFill/>
-          <a:ln w="9525">
-            <a:noFill/>
-            <a:miter lim="800000"/>
-            <a:headEnd/>
-            <a:tailEnd/>
-          </a:ln>
         </p:spPr>
       </p:pic>
     </p:spTree>
     <p:extLst>
       <p:ext uri="{BB962C8B-B14F-4D97-AF65-F5344CB8AC3E}">
-        <p14:creationId xmlns:p14="http://schemas.microsoft.com/office/powerpoint/2010/main" xmlns="" val="183685649"/>
+        <p14:creationId xmlns:p14="http://schemas.microsoft.com/office/powerpoint/2010/main" val="183685649"/>
       </p:ext>
     </p:extLst>
   </p:cSld>
@@ -7978,22 +7913,25 @@
               </a:spcBef>
             </a:pPr>
             <a:r>
-              <a:rPr lang="ru-RU" sz="1600" dirty="0" smtClean="0">
+              <a:rPr lang="ru-RU" sz="1600" dirty="0">
                 <a:solidFill>
                   <a:schemeClr val="tx1"/>
                 </a:solidFill>
                 <a:latin typeface="Times New Roman" panose="02020603050405020304" pitchFamily="18" charset="0"/>
                 <a:cs typeface="Times New Roman" panose="02020603050405020304" pitchFamily="18" charset="0"/>
               </a:rPr>
-              <a:t>Некорректное название страницы для перехода</a:t>
-            </a:r>
-            <a:endParaRPr lang="ru-RU" sz="1600" dirty="0" smtClean="0">
-              <a:solidFill>
-                <a:schemeClr val="tx1"/>
-              </a:solidFill>
-              <a:latin typeface="Times New Roman" panose="02020603050405020304" pitchFamily="18" charset="0"/>
-              <a:cs typeface="Times New Roman" panose="02020603050405020304" pitchFamily="18" charset="0"/>
-            </a:endParaRPr>
+              <a:t>Неопределенная </a:t>
+            </a:r>
+            <a:r>
+              <a:rPr lang="ru-RU" sz="1600" dirty="0" smtClean="0">
+                <a:solidFill>
+                  <a:schemeClr val="tx1"/>
+                </a:solidFill>
+                <a:latin typeface="Times New Roman" panose="02020603050405020304" pitchFamily="18" charset="0"/>
+                <a:cs typeface="Times New Roman" panose="02020603050405020304" pitchFamily="18" charset="0"/>
+              </a:rPr>
+              <a:t>переменная</a:t>
+            </a:r>
           </a:p>
           <a:p>
             <a:pPr marL="450000" algn="just">
@@ -8069,14 +8007,14 @@
           <a:effectLst/>
           <a:extLst>
             <a:ext uri="{909E8E84-426E-40DD-AFC4-6F175D3DCCD1}">
-              <a14:hiddenFill xmlns:a14="http://schemas.microsoft.com/office/drawing/2010/main" xmlns="">
+              <a14:hiddenFill xmlns:a14="http://schemas.microsoft.com/office/drawing/2010/main">
                 <a:solidFill>
                   <a:schemeClr val="accent1"/>
                 </a:solidFill>
               </a14:hiddenFill>
             </a:ext>
             <a:ext uri="{91240B29-F687-4F45-9708-019B960494DF}">
-              <a14:hiddenLine xmlns:a14="http://schemas.microsoft.com/office/drawing/2010/main" xmlns="" w="9525">
+              <a14:hiddenLine xmlns:a14="http://schemas.microsoft.com/office/drawing/2010/main" w="9525">
                 <a:solidFill>
                   <a:schemeClr val="tx1"/>
                 </a:solidFill>
@@ -8086,7 +8024,7 @@
               </a14:hiddenLine>
             </a:ext>
             <a:ext uri="{AF507438-7753-43E0-B8FC-AC1667EBCBE1}">
-              <a14:hiddenEffects xmlns:a14="http://schemas.microsoft.com/office/drawing/2010/main" xmlns="">
+              <a14:hiddenEffects xmlns:a14="http://schemas.microsoft.com/office/drawing/2010/main">
                 <a:effectLst>
                   <a:outerShdw dist="35921" dir="2700000" algn="ctr" rotWithShape="0">
                     <a:schemeClr val="bg2"/>
@@ -8109,6 +8047,78 @@
           </a:p>
         </p:txBody>
       </p:sp>
+      <p:graphicFrame>
+        <p:nvGraphicFramePr>
+          <p:cNvPr id="7" name="Объект 6"/>
+          <p:cNvGraphicFramePr>
+            <a:graphicFrameLocks/>
+          </p:cNvGraphicFramePr>
+          <p:nvPr>
+            <p:extLst>
+              <p:ext uri="{D42A27DB-BD31-4B8C-83A1-F6EECF244321}">
+                <p14:modId xmlns:p14="http://schemas.microsoft.com/office/powerpoint/2010/main" val="3832367552"/>
+              </p:ext>
+            </p:extLst>
+          </p:nvPr>
+        </p:nvGraphicFramePr>
+        <p:xfrm>
+          <a:off x="850900" y="3441700"/>
+          <a:ext cx="4937125" cy="876299"/>
+        </p:xfrm>
+        <a:graphic>
+          <a:graphicData uri="http://schemas.openxmlformats.org/presentationml/2006/ole">
+            <mc:AlternateContent xmlns:mc="http://schemas.openxmlformats.org/markup-compatibility/2006">
+              <mc:Choice xmlns:v="urn:schemas-microsoft-com:vml" Requires="v">
+                <p:oleObj spid="_x0000_s1085" name="Изображение" r:id="rId3" imgW="5228571" imgH="961905" progId="StaticDib">
+                  <p:embed/>
+                </p:oleObj>
+              </mc:Choice>
+              <mc:Fallback>
+                <p:oleObj name="Изображение" r:id="rId3" imgW="5228571" imgH="961905" progId="StaticDib">
+                  <p:embed/>
+                  <p:pic>
+                    <p:nvPicPr>
+                      <p:cNvPr id="0" name="rectole0000000057"/>
+                      <p:cNvPicPr>
+                        <a:picLocks noChangeArrowheads="1"/>
+                      </p:cNvPicPr>
+                      <p:nvPr/>
+                    </p:nvPicPr>
+                    <p:blipFill>
+                      <a:blip r:embed="rId4">
+                        <a:extLst>
+                          <a:ext uri="{28A0092B-C50C-407E-A947-70E740481C1C}">
+                            <a14:useLocalDpi xmlns:a14="http://schemas.microsoft.com/office/drawing/2010/main" val="0"/>
+                          </a:ext>
+                        </a:extLst>
+                      </a:blip>
+                      <a:srcRect/>
+                      <a:stretch>
+                        <a:fillRect/>
+                      </a:stretch>
+                    </p:blipFill>
+                    <p:spPr bwMode="auto">
+                      <a:xfrm>
+                        <a:off x="850900" y="3441700"/>
+                        <a:ext cx="4937125" cy="876299"/>
+                      </a:xfrm>
+                      <a:prstGeom prst="rect">
+                        <a:avLst/>
+                      </a:prstGeom>
+                      <a:solidFill>
+                        <a:srgbClr val="FFFFFF"/>
+                      </a:solidFill>
+                      <a:ln>
+                        <a:noFill/>
+                      </a:ln>
+                    </p:spPr>
+                  </p:pic>
+                </p:oleObj>
+              </mc:Fallback>
+            </mc:AlternateContent>
+          </a:graphicData>
+        </a:graphic>
+      </p:graphicFrame>
       <p:sp>
         <p:nvSpPr>
           <p:cNvPr id="8" name="Rectangle 6"/>
@@ -8132,14 +8142,14 @@
           <a:effectLst/>
           <a:extLst>
             <a:ext uri="{909E8E84-426E-40DD-AFC4-6F175D3DCCD1}">
-              <a14:hiddenFill xmlns:a14="http://schemas.microsoft.com/office/drawing/2010/main" xmlns="">
+              <a14:hiddenFill xmlns:a14="http://schemas.microsoft.com/office/drawing/2010/main">
                 <a:solidFill>
                   <a:schemeClr val="accent1"/>
                 </a:solidFill>
               </a14:hiddenFill>
             </a:ext>
             <a:ext uri="{91240B29-F687-4F45-9708-019B960494DF}">
-              <a14:hiddenLine xmlns:a14="http://schemas.microsoft.com/office/drawing/2010/main" xmlns="" w="9525">
+              <a14:hiddenLine xmlns:a14="http://schemas.microsoft.com/office/drawing/2010/main" w="9525">
                 <a:solidFill>
                   <a:schemeClr val="tx1"/>
                 </a:solidFill>
@@ -8149,7 +8159,7 @@
               </a14:hiddenLine>
             </a:ext>
             <a:ext uri="{AF507438-7753-43E0-B8FC-AC1667EBCBE1}">
-              <a14:hiddenEffects xmlns:a14="http://schemas.microsoft.com/office/drawing/2010/main" xmlns="">
+              <a14:hiddenEffects xmlns:a14="http://schemas.microsoft.com/office/drawing/2010/main">
                 <a:effectLst>
                   <a:outerShdw dist="35921" dir="2700000" algn="ctr" rotWithShape="0">
                     <a:schemeClr val="bg2"/>
@@ -8172,70 +8182,94 @@
           </a:p>
         </p:txBody>
       </p:sp>
-      <p:pic>
-        <p:nvPicPr>
-          <p:cNvPr id="10" name="Рисунок 9"/>
-          <p:cNvPicPr/>
-          <p:nvPr/>
-        </p:nvPicPr>
-        <p:blipFill>
-          <a:blip r:embed="rId2" cstate="print"/>
-          <a:srcRect/>
-          <a:stretch>
-            <a:fillRect/>
-          </a:stretch>
-        </p:blipFill>
-        <p:spPr bwMode="auto">
-          <a:xfrm>
-            <a:off x="695059" y="3384096"/>
-            <a:ext cx="4889312" cy="853167"/>
-          </a:xfrm>
-          <a:prstGeom prst="rect">
-            <a:avLst/>
-          </a:prstGeom>
-          <a:noFill/>
-          <a:ln w="9525">
-            <a:noFill/>
-            <a:miter lim="800000"/>
-            <a:headEnd/>
-            <a:tailEnd/>
-          </a:ln>
-        </p:spPr>
-      </p:pic>
-      <p:pic>
-        <p:nvPicPr>
-          <p:cNvPr id="11" name="Рисунок 10"/>
-          <p:cNvPicPr/>
-          <p:nvPr/>
-        </p:nvPicPr>
-        <p:blipFill>
-          <a:blip r:embed="rId3" cstate="print"/>
-          <a:srcRect/>
-          <a:stretch>
-            <a:fillRect/>
-          </a:stretch>
-        </p:blipFill>
-        <p:spPr bwMode="auto">
-          <a:xfrm>
-            <a:off x="668110" y="4848219"/>
-            <a:ext cx="3038475" cy="785139"/>
-          </a:xfrm>
-          <a:prstGeom prst="rect">
-            <a:avLst/>
-          </a:prstGeom>
-          <a:noFill/>
-          <a:ln w="9525">
-            <a:noFill/>
-            <a:miter lim="800000"/>
-            <a:headEnd/>
-            <a:tailEnd/>
-          </a:ln>
-        </p:spPr>
-      </p:pic>
+      <p:graphicFrame>
+        <p:nvGraphicFramePr>
+          <p:cNvPr id="9" name="Объект 8"/>
+          <p:cNvGraphicFramePr>
+            <a:graphicFrameLocks/>
+          </p:cNvGraphicFramePr>
+          <p:nvPr>
+            <p:extLst>
+              <p:ext uri="{D42A27DB-BD31-4B8C-83A1-F6EECF244321}">
+                <p14:modId xmlns:p14="http://schemas.microsoft.com/office/powerpoint/2010/main" val="966684304"/>
+              </p:ext>
+            </p:extLst>
+          </p:nvPr>
+        </p:nvGraphicFramePr>
+        <p:xfrm>
+          <a:off x="1092200" y="4838700"/>
+          <a:ext cx="4210050" cy="1076325"/>
+        </p:xfrm>
+        <a:graphic>
+          <a:graphicData uri="http://schemas.openxmlformats.org/presentationml/2006/ole">
+            <mc:AlternateContent xmlns:mc="http://schemas.openxmlformats.org/markup-compatibility/2006">
+              <mc:Choice xmlns:v="urn:schemas-microsoft-com:vml" Requires="v">
+                <p:oleObj spid="_x0000_s1086" name="Изображение" r:id="rId5" imgW="4828571" imgH="1219048" progId="StaticDib">
+                  <p:embed/>
+                </p:oleObj>
+              </mc:Choice>
+              <mc:Fallback>
+                <p:oleObj name="Изображение" r:id="rId5" imgW="4828571" imgH="1219048" progId="StaticDib">
+                  <p:embed/>
+                  <p:pic>
+                    <p:nvPicPr>
+                      <p:cNvPr id="0" name="rectole0000000058"/>
+                      <p:cNvPicPr>
+                        <a:picLocks noChangeArrowheads="1"/>
+                      </p:cNvPicPr>
+                      <p:nvPr/>
+                    </p:nvPicPr>
+                    <p:blipFill>
+                      <a:blip r:embed="rId6">
+                        <a:extLst>
+                          <a:ext uri="{28A0092B-C50C-407E-A947-70E740481C1C}">
+                            <a14:useLocalDpi xmlns:a14="http://schemas.microsoft.com/office/drawing/2010/main" val="0"/>
+                          </a:ext>
+                        </a:extLst>
+                      </a:blip>
+                      <a:srcRect/>
+                      <a:stretch>
+                        <a:fillRect/>
+                      </a:stretch>
+                    </p:blipFill>
+                    <p:spPr bwMode="auto">
+                      <a:xfrm>
+                        <a:off x="1092200" y="4838700"/>
+                        <a:ext cx="4210050" cy="1076325"/>
+                      </a:xfrm>
+                      <a:prstGeom prst="rect">
+                        <a:avLst/>
+                      </a:prstGeom>
+                      <a:solidFill>
+                        <a:srgbClr val="FFFFFF"/>
+                      </a:solidFill>
+                      <a:ln>
+                        <a:noFill/>
+                      </a:ln>
+                      <a:extLst>
+                        <a:ext uri="{91240B29-F687-4F45-9708-019B960494DF}">
+                          <a14:hiddenLine xmlns:a14="http://schemas.microsoft.com/office/drawing/2010/main" w="9525">
+                            <a:solidFill>
+                              <a:srgbClr val="000000"/>
+                            </a:solidFill>
+                            <a:miter lim="800000"/>
+                            <a:headEnd/>
+                            <a:tailEnd/>
+                          </a14:hiddenLine>
+                        </a:ext>
+                      </a:extLst>
+                    </p:spPr>
+                  </p:pic>
+                </p:oleObj>
+              </mc:Fallback>
+            </mc:AlternateContent>
+          </a:graphicData>
+        </a:graphic>
+      </p:graphicFrame>
     </p:spTree>
     <p:extLst>
       <p:ext uri="{BB962C8B-B14F-4D97-AF65-F5344CB8AC3E}">
-        <p14:creationId xmlns:p14="http://schemas.microsoft.com/office/powerpoint/2010/main" xmlns="" val="189906559"/>
+        <p14:creationId xmlns:p14="http://schemas.microsoft.com/office/powerpoint/2010/main" val="189906559"/>
       </p:ext>
     </p:extLst>
   </p:cSld>
@@ -8359,7 +8393,7 @@
           <p:nvPr/>
         </p:nvPicPr>
         <p:blipFill>
-          <a:blip r:embed="rId2" cstate="print"/>
+          <a:blip r:embed="rId2"/>
           <a:stretch>
             <a:fillRect/>
           </a:stretch>
@@ -8377,7 +8411,7 @@
     </p:spTree>
     <p:extLst>
       <p:ext uri="{BB962C8B-B14F-4D97-AF65-F5344CB8AC3E}">
-        <p14:creationId xmlns:p14="http://schemas.microsoft.com/office/powerpoint/2010/main" xmlns="" val="2098478242"/>
+        <p14:creationId xmlns:p14="http://schemas.microsoft.com/office/powerpoint/2010/main" val="2098478242"/>
       </p:ext>
     </p:extLst>
   </p:cSld>
@@ -8625,7 +8659,7 @@
     </p:spTree>
     <p:extLst>
       <p:ext uri="{BB962C8B-B14F-4D97-AF65-F5344CB8AC3E}">
-        <p14:creationId xmlns:p14="http://schemas.microsoft.com/office/powerpoint/2010/main" xmlns="" val="483587253"/>
+        <p14:creationId xmlns:p14="http://schemas.microsoft.com/office/powerpoint/2010/main" val="483587253"/>
       </p:ext>
     </p:extLst>
   </p:cSld>
@@ -8685,7 +8719,7 @@
     </a:clrScheme>
     <a:fontScheme name="Аспект">
       <a:majorFont>
-        <a:latin typeface="Trebuchet MS"/>
+        <a:latin typeface="Trebuchet MS" panose="020B0603020202020204"/>
         <a:ea typeface=""/>
         <a:cs typeface=""/>
         <a:font script="Jpan" typeface="メイリオ"/>
@@ -8720,7 +8754,7 @@
         <a:font script="Geor" typeface="Sylfaen"/>
       </a:majorFont>
       <a:minorFont>
-        <a:latin typeface="Trebuchet MS"/>
+        <a:latin typeface="Trebuchet MS" panose="020B0603020202020204"/>
         <a:ea typeface=""/>
         <a:cs typeface=""/>
         <a:font script="Jpan" typeface="メイリオ"/>
@@ -8893,7 +8927,7 @@
   <a:extraClrSchemeLst/>
   <a:extLst>
     <a:ext uri="{05A4C25C-085E-4340-85A3-A5531E510DB2}">
-      <thm15:themeFamily xmlns:thm15="http://schemas.microsoft.com/office/thememl/2012/main" xmlns="" name="Facet" id="{C0C680CD-088A-49FC-A102-D699147F32B2}" vid="{CFBC31BA-B70F-4F30-BCAA-4F3011E16C4D}"/>
+      <thm15:themeFamily xmlns:thm15="http://schemas.microsoft.com/office/thememl/2012/main" name="Facet" id="{C0C680CD-088A-49FC-A102-D699147F32B2}" vid="{CFBC31BA-B70F-4F30-BCAA-4F3011E16C4D}"/>
     </a:ext>
   </a:extLst>
 </a:theme>
